--- a/AppMesse/Flyer.pptx
+++ b/AppMesse/Flyer.pptx
@@ -132,6 +132,235 @@
 </p:presentation>
 </file>
 
+<file path=ppt/revisionInfo.xml><?xml version="1.0" encoding="utf-8"?>
+<p1510:revInfo xmlns:a="http://schemas.openxmlformats.org/drawingml/2006/main" xmlns:r="http://schemas.openxmlformats.org/officeDocument/2006/relationships" xmlns:p1510="http://schemas.microsoft.com/office/powerpoint/2015/10/main">
+  <p1510:revLst>
+    <p1510:client id="{47938BEB-97FE-4788-A31B-3B2FDA9FF90B}" v="1" dt="2020-01-31T17:24:41.681"/>
+  </p1510:revLst>
+</p1510:revInfo>
+</file>
+
+<file path=ppt/changesInfos/changesInfo1.xml><?xml version="1.0" encoding="utf-8"?>
+<pc:chgInfo xmlns:a="http://schemas.openxmlformats.org/drawingml/2006/main" xmlns:r="http://schemas.openxmlformats.org/officeDocument/2006/relationships" xmlns:ac="http://schemas.microsoft.com/office/drawing/2013/main/command" xmlns:pc="http://schemas.microsoft.com/office/powerpoint/2013/main/command">
+  <pc:docChgLst>
+    <pc:chgData name="Annika Jung" userId="78abfe98e9b75b55" providerId="LiveId" clId="{47938BEB-97FE-4788-A31B-3B2FDA9FF90B}"/>
+    <pc:docChg chg="undo custSel modSld">
+      <pc:chgData name="Annika Jung" userId="78abfe98e9b75b55" providerId="LiveId" clId="{47938BEB-97FE-4788-A31B-3B2FDA9FF90B}" dt="2020-01-31T17:28:00.318" v="182" actId="1037"/>
+      <pc:docMkLst>
+        <pc:docMk/>
+      </pc:docMkLst>
+      <pc:sldChg chg="addSp delSp modSp">
+        <pc:chgData name="Annika Jung" userId="78abfe98e9b75b55" providerId="LiveId" clId="{47938BEB-97FE-4788-A31B-3B2FDA9FF90B}" dt="2020-01-31T17:28:00.318" v="182" actId="1037"/>
+        <pc:sldMkLst>
+          <pc:docMk/>
+          <pc:sldMk cId="1204960355" sldId="257"/>
+        </pc:sldMkLst>
+        <pc:spChg chg="mod">
+          <ac:chgData name="Annika Jung" userId="78abfe98e9b75b55" providerId="LiveId" clId="{47938BEB-97FE-4788-A31B-3B2FDA9FF90B}" dt="2020-01-31T17:24:50.605" v="114" actId="1038"/>
+          <ac:spMkLst>
+            <pc:docMk/>
+            <pc:sldMk cId="1204960355" sldId="257"/>
+            <ac:spMk id="6" creationId="{7154DD2D-A950-1348-9553-5FFB05E84A56}"/>
+          </ac:spMkLst>
+        </pc:spChg>
+        <pc:spChg chg="mod">
+          <ac:chgData name="Annika Jung" userId="78abfe98e9b75b55" providerId="LiveId" clId="{47938BEB-97FE-4788-A31B-3B2FDA9FF90B}" dt="2020-01-31T17:28:00.318" v="182" actId="1037"/>
+          <ac:spMkLst>
+            <pc:docMk/>
+            <pc:sldMk cId="1204960355" sldId="257"/>
+            <ac:spMk id="19" creationId="{44A67414-D652-E746-971F-1F7832F3BE99}"/>
+          </ac:spMkLst>
+        </pc:spChg>
+        <pc:spChg chg="mod">
+          <ac:chgData name="Annika Jung" userId="78abfe98e9b75b55" providerId="LiveId" clId="{47938BEB-97FE-4788-A31B-3B2FDA9FF90B}" dt="2020-01-31T17:28:00.318" v="182" actId="1037"/>
+          <ac:spMkLst>
+            <pc:docMk/>
+            <pc:sldMk cId="1204960355" sldId="257"/>
+            <ac:spMk id="20" creationId="{0038DDDE-4217-9C48-B0E9-892EB6EC6647}"/>
+          </ac:spMkLst>
+        </pc:spChg>
+        <pc:spChg chg="mod">
+          <ac:chgData name="Annika Jung" userId="78abfe98e9b75b55" providerId="LiveId" clId="{47938BEB-97FE-4788-A31B-3B2FDA9FF90B}" dt="2020-01-31T17:25:22" v="160" actId="1038"/>
+          <ac:spMkLst>
+            <pc:docMk/>
+            <pc:sldMk cId="1204960355" sldId="257"/>
+            <ac:spMk id="21" creationId="{521ECF83-F528-DC4F-A272-467FE584AA4B}"/>
+          </ac:spMkLst>
+        </pc:spChg>
+        <pc:spChg chg="mod">
+          <ac:chgData name="Annika Jung" userId="78abfe98e9b75b55" providerId="LiveId" clId="{47938BEB-97FE-4788-A31B-3B2FDA9FF90B}" dt="2020-01-31T17:23:00.101" v="75" actId="1038"/>
+          <ac:spMkLst>
+            <pc:docMk/>
+            <pc:sldMk cId="1204960355" sldId="257"/>
+            <ac:spMk id="22" creationId="{81A755A1-1E03-F44D-B363-6FE7CF551C0C}"/>
+          </ac:spMkLst>
+        </pc:spChg>
+        <pc:spChg chg="mod">
+          <ac:chgData name="Annika Jung" userId="78abfe98e9b75b55" providerId="LiveId" clId="{47938BEB-97FE-4788-A31B-3B2FDA9FF90B}" dt="2020-01-31T17:24:59.117" v="137" actId="1038"/>
+          <ac:spMkLst>
+            <pc:docMk/>
+            <pc:sldMk cId="1204960355" sldId="257"/>
+            <ac:spMk id="23" creationId="{D5B29C3F-80D0-3948-81D2-196E9D2BAEDC}"/>
+          </ac:spMkLst>
+        </pc:spChg>
+        <pc:spChg chg="mod">
+          <ac:chgData name="Annika Jung" userId="78abfe98e9b75b55" providerId="LiveId" clId="{47938BEB-97FE-4788-A31B-3B2FDA9FF90B}" dt="2020-01-31T17:25:22" v="160" actId="1038"/>
+          <ac:spMkLst>
+            <pc:docMk/>
+            <pc:sldMk cId="1204960355" sldId="257"/>
+            <ac:spMk id="24" creationId="{8AB780C7-71FC-764A-BB9B-240D42441378}"/>
+          </ac:spMkLst>
+        </pc:spChg>
+        <pc:spChg chg="mod">
+          <ac:chgData name="Annika Jung" userId="78abfe98e9b75b55" providerId="LiveId" clId="{47938BEB-97FE-4788-A31B-3B2FDA9FF90B}" dt="2020-01-31T17:25:05.776" v="146" actId="1038"/>
+          <ac:spMkLst>
+            <pc:docMk/>
+            <pc:sldMk cId="1204960355" sldId="257"/>
+            <ac:spMk id="25" creationId="{858C0044-C3BD-9146-A3C0-DE79A9A90B49}"/>
+          </ac:spMkLst>
+        </pc:spChg>
+        <pc:spChg chg="mod">
+          <ac:chgData name="Annika Jung" userId="78abfe98e9b75b55" providerId="LiveId" clId="{47938BEB-97FE-4788-A31B-3B2FDA9FF90B}" dt="2020-01-31T17:25:05.776" v="146" actId="1038"/>
+          <ac:spMkLst>
+            <pc:docMk/>
+            <pc:sldMk cId="1204960355" sldId="257"/>
+            <ac:spMk id="26" creationId="{9F23599C-87DA-2846-8435-F7653E526615}"/>
+          </ac:spMkLst>
+        </pc:spChg>
+        <pc:spChg chg="add del mod">
+          <ac:chgData name="Annika Jung" userId="78abfe98e9b75b55" providerId="LiveId" clId="{47938BEB-97FE-4788-A31B-3B2FDA9FF90B}" dt="2020-01-31T17:27:36.620" v="163" actId="478"/>
+          <ac:spMkLst>
+            <pc:docMk/>
+            <pc:sldMk cId="1204960355" sldId="257"/>
+            <ac:spMk id="30" creationId="{2CC8F4C9-156A-4047-9706-C908B3C46FB0}"/>
+          </ac:spMkLst>
+        </pc:spChg>
+        <pc:spChg chg="mod">
+          <ac:chgData name="Annika Jung" userId="78abfe98e9b75b55" providerId="LiveId" clId="{47938BEB-97FE-4788-A31B-3B2FDA9FF90B}" dt="2020-01-31T17:23:00.101" v="75" actId="1038"/>
+          <ac:spMkLst>
+            <pc:docMk/>
+            <pc:sldMk cId="1204960355" sldId="257"/>
+            <ac:spMk id="35" creationId="{C02B9C73-CBE3-404C-8E75-1C6E09C68BD3}"/>
+          </ac:spMkLst>
+        </pc:spChg>
+        <pc:picChg chg="mod">
+          <ac:chgData name="Annika Jung" userId="78abfe98e9b75b55" providerId="LiveId" clId="{47938BEB-97FE-4788-A31B-3B2FDA9FF90B}" dt="2020-01-31T17:24:50.605" v="114" actId="1038"/>
+          <ac:picMkLst>
+            <pc:docMk/>
+            <pc:sldMk cId="1204960355" sldId="257"/>
+            <ac:picMk id="5" creationId="{DDC2BD48-E323-B045-B6F6-AB12B056BCFB}"/>
+          </ac:picMkLst>
+        </pc:picChg>
+        <pc:picChg chg="mod">
+          <ac:chgData name="Annika Jung" userId="78abfe98e9b75b55" providerId="LiveId" clId="{47938BEB-97FE-4788-A31B-3B2FDA9FF90B}" dt="2020-01-31T17:28:00.318" v="182" actId="1037"/>
+          <ac:picMkLst>
+            <pc:docMk/>
+            <pc:sldMk cId="1204960355" sldId="257"/>
+            <ac:picMk id="8" creationId="{FE946269-7DDB-6E4D-9407-4A0C50CE9A11}"/>
+          </ac:picMkLst>
+        </pc:picChg>
+        <pc:picChg chg="mod">
+          <ac:chgData name="Annika Jung" userId="78abfe98e9b75b55" providerId="LiveId" clId="{47938BEB-97FE-4788-A31B-3B2FDA9FF90B}" dt="2020-01-31T17:25:22" v="160" actId="1038"/>
+          <ac:picMkLst>
+            <pc:docMk/>
+            <pc:sldMk cId="1204960355" sldId="257"/>
+            <ac:picMk id="10" creationId="{F9067734-0E84-9342-A172-A91AEED256FF}"/>
+          </ac:picMkLst>
+        </pc:picChg>
+        <pc:picChg chg="mod">
+          <ac:chgData name="Annika Jung" userId="78abfe98e9b75b55" providerId="LiveId" clId="{47938BEB-97FE-4788-A31B-3B2FDA9FF90B}" dt="2020-01-31T17:23:00.101" v="75" actId="1038"/>
+          <ac:picMkLst>
+            <pc:docMk/>
+            <pc:sldMk cId="1204960355" sldId="257"/>
+            <ac:picMk id="12" creationId="{76E51394-01B1-664A-8948-5002DF75D27C}"/>
+          </ac:picMkLst>
+        </pc:picChg>
+        <pc:picChg chg="mod">
+          <ac:chgData name="Annika Jung" userId="78abfe98e9b75b55" providerId="LiveId" clId="{47938BEB-97FE-4788-A31B-3B2FDA9FF90B}" dt="2020-01-31T17:24:59.117" v="137" actId="1038"/>
+          <ac:picMkLst>
+            <pc:docMk/>
+            <pc:sldMk cId="1204960355" sldId="257"/>
+            <ac:picMk id="14" creationId="{FF2E643A-B362-DF49-B3B5-8F63CE6F57E3}"/>
+          </ac:picMkLst>
+        </pc:picChg>
+        <pc:picChg chg="mod">
+          <ac:chgData name="Annika Jung" userId="78abfe98e9b75b55" providerId="LiveId" clId="{47938BEB-97FE-4788-A31B-3B2FDA9FF90B}" dt="2020-01-31T17:25:05.776" v="146" actId="1038"/>
+          <ac:picMkLst>
+            <pc:docMk/>
+            <pc:sldMk cId="1204960355" sldId="257"/>
+            <ac:picMk id="16" creationId="{5DCB8710-C6BC-044C-ADBA-C617F0B82EC9}"/>
+          </ac:picMkLst>
+        </pc:picChg>
+        <pc:picChg chg="mod">
+          <ac:chgData name="Annika Jung" userId="78abfe98e9b75b55" providerId="LiveId" clId="{47938BEB-97FE-4788-A31B-3B2FDA9FF90B}" dt="2020-01-31T17:25:05.776" v="146" actId="1038"/>
+          <ac:picMkLst>
+            <pc:docMk/>
+            <pc:sldMk cId="1204960355" sldId="257"/>
+            <ac:picMk id="18" creationId="{19254CD2-A541-CB48-8C61-33BC5253A1F0}"/>
+          </ac:picMkLst>
+        </pc:picChg>
+        <pc:picChg chg="add del mod">
+          <ac:chgData name="Annika Jung" userId="78abfe98e9b75b55" providerId="LiveId" clId="{47938BEB-97FE-4788-A31B-3B2FDA9FF90B}" dt="2020-01-31T17:27:33.961" v="162" actId="478"/>
+          <ac:picMkLst>
+            <pc:docMk/>
+            <pc:sldMk cId="1204960355" sldId="257"/>
+            <ac:picMk id="27" creationId="{B6E1C125-99DB-42A5-A27C-DDE64D942485}"/>
+          </ac:picMkLst>
+        </pc:picChg>
+        <pc:picChg chg="mod">
+          <ac:chgData name="Annika Jung" userId="78abfe98e9b75b55" providerId="LiveId" clId="{47938BEB-97FE-4788-A31B-3B2FDA9FF90B}" dt="2020-01-31T17:25:05.776" v="146" actId="1038"/>
+          <ac:picMkLst>
+            <pc:docMk/>
+            <pc:sldMk cId="1204960355" sldId="257"/>
+            <ac:picMk id="28" creationId="{086AEE5F-5369-5F4C-BE38-488DF80147A6}"/>
+          </ac:picMkLst>
+        </pc:picChg>
+        <pc:picChg chg="mod">
+          <ac:chgData name="Annika Jung" userId="78abfe98e9b75b55" providerId="LiveId" clId="{47938BEB-97FE-4788-A31B-3B2FDA9FF90B}" dt="2020-01-31T17:28:00.318" v="182" actId="1037"/>
+          <ac:picMkLst>
+            <pc:docMk/>
+            <pc:sldMk cId="1204960355" sldId="257"/>
+            <ac:picMk id="29" creationId="{320A99A5-6C0D-B846-824F-12AB99A7238A}"/>
+          </ac:picMkLst>
+        </pc:picChg>
+        <pc:picChg chg="mod">
+          <ac:chgData name="Annika Jung" userId="78abfe98e9b75b55" providerId="LiveId" clId="{47938BEB-97FE-4788-A31B-3B2FDA9FF90B}" dt="2020-01-31T17:28:00.318" v="182" actId="1037"/>
+          <ac:picMkLst>
+            <pc:docMk/>
+            <pc:sldMk cId="1204960355" sldId="257"/>
+            <ac:picMk id="31" creationId="{EE1989C5-ED01-5A48-B57A-54A122A1BD47}"/>
+          </ac:picMkLst>
+        </pc:picChg>
+        <pc:picChg chg="add del mod">
+          <ac:chgData name="Annika Jung" userId="78abfe98e9b75b55" providerId="LiveId" clId="{47938BEB-97FE-4788-A31B-3B2FDA9FF90B}" dt="2020-01-31T17:27:31.345" v="161" actId="478"/>
+          <ac:picMkLst>
+            <pc:docMk/>
+            <pc:sldMk cId="1204960355" sldId="257"/>
+            <ac:picMk id="32" creationId="{7E0D77A4-3D05-442C-9882-BEDC1880926E}"/>
+          </ac:picMkLst>
+        </pc:picChg>
+        <pc:picChg chg="mod">
+          <ac:chgData name="Annika Jung" userId="78abfe98e9b75b55" providerId="LiveId" clId="{47938BEB-97FE-4788-A31B-3B2FDA9FF90B}" dt="2020-01-31T17:23:04.812" v="98" actId="1038"/>
+          <ac:picMkLst>
+            <pc:docMk/>
+            <pc:sldMk cId="1204960355" sldId="257"/>
+            <ac:picMk id="33" creationId="{30310EE4-AA44-2049-9FF4-3AD9B90F9E8C}"/>
+          </ac:picMkLst>
+        </pc:picChg>
+        <pc:picChg chg="mod">
+          <ac:chgData name="Annika Jung" userId="78abfe98e9b75b55" providerId="LiveId" clId="{47938BEB-97FE-4788-A31B-3B2FDA9FF90B}" dt="2020-01-31T17:25:22" v="160" actId="1038"/>
+          <ac:picMkLst>
+            <pc:docMk/>
+            <pc:sldMk cId="1204960355" sldId="257"/>
+            <ac:picMk id="41" creationId="{F6A6BE8B-9DDB-7846-BFB7-CB10750A47D9}"/>
+          </ac:picMkLst>
+        </pc:picChg>
+      </pc:sldChg>
+    </pc:docChg>
+  </pc:docChgLst>
+</pc:chgInfo>
+</file>
+
 <file path=ppt/notesMasters/notesMaster1.xml><?xml version="1.0" encoding="utf-8"?>
 <p:notesMaster xmlns:a="http://schemas.openxmlformats.org/drawingml/2006/main" xmlns:r="http://schemas.openxmlformats.org/officeDocument/2006/relationships" xmlns:p="http://schemas.openxmlformats.org/presentationml/2006/main">
   <p:cSld>
@@ -214,7 +443,7 @@
           <a:p>
             <a:fld id="{A19BDF48-C1B2-4C4E-9EA7-F8A2BFA548D9}" type="datetimeFigureOut">
               <a:rPr lang="de-DE" smtClean="0"/>
-              <a:t>30.01.20</a:t>
+              <a:t>31.01.2020</a:t>
             </a:fld>
             <a:endParaRPr lang="de-DE"/>
           </a:p>
@@ -712,7 +941,7 @@
           <a:p>
             <a:fld id="{35ACAF27-3CFF-2745-A24D-529DF97C3F56}" type="datetimeFigureOut">
               <a:rPr lang="de-DE" smtClean="0"/>
-              <a:t>30.01.20</a:t>
+              <a:t>31.01.2020</a:t>
             </a:fld>
             <a:endParaRPr lang="de-DE"/>
           </a:p>
@@ -910,7 +1139,7 @@
           <a:p>
             <a:fld id="{35ACAF27-3CFF-2745-A24D-529DF97C3F56}" type="datetimeFigureOut">
               <a:rPr lang="de-DE" smtClean="0"/>
-              <a:t>30.01.20</a:t>
+              <a:t>31.01.2020</a:t>
             </a:fld>
             <a:endParaRPr lang="de-DE"/>
           </a:p>
@@ -1118,7 +1347,7 @@
           <a:p>
             <a:fld id="{35ACAF27-3CFF-2745-A24D-529DF97C3F56}" type="datetimeFigureOut">
               <a:rPr lang="de-DE" smtClean="0"/>
-              <a:t>30.01.20</a:t>
+              <a:t>31.01.2020</a:t>
             </a:fld>
             <a:endParaRPr lang="de-DE"/>
           </a:p>
@@ -1316,7 +1545,7 @@
           <a:p>
             <a:fld id="{35ACAF27-3CFF-2745-A24D-529DF97C3F56}" type="datetimeFigureOut">
               <a:rPr lang="de-DE" smtClean="0"/>
-              <a:t>30.01.20</a:t>
+              <a:t>31.01.2020</a:t>
             </a:fld>
             <a:endParaRPr lang="de-DE"/>
           </a:p>
@@ -1591,7 +1820,7 @@
           <a:p>
             <a:fld id="{35ACAF27-3CFF-2745-A24D-529DF97C3F56}" type="datetimeFigureOut">
               <a:rPr lang="de-DE" smtClean="0"/>
-              <a:t>30.01.20</a:t>
+              <a:t>31.01.2020</a:t>
             </a:fld>
             <a:endParaRPr lang="de-DE"/>
           </a:p>
@@ -1856,7 +2085,7 @@
           <a:p>
             <a:fld id="{35ACAF27-3CFF-2745-A24D-529DF97C3F56}" type="datetimeFigureOut">
               <a:rPr lang="de-DE" smtClean="0"/>
-              <a:t>30.01.20</a:t>
+              <a:t>31.01.2020</a:t>
             </a:fld>
             <a:endParaRPr lang="de-DE"/>
           </a:p>
@@ -2268,7 +2497,7 @@
           <a:p>
             <a:fld id="{35ACAF27-3CFF-2745-A24D-529DF97C3F56}" type="datetimeFigureOut">
               <a:rPr lang="de-DE" smtClean="0"/>
-              <a:t>30.01.20</a:t>
+              <a:t>31.01.2020</a:t>
             </a:fld>
             <a:endParaRPr lang="de-DE"/>
           </a:p>
@@ -2409,7 +2638,7 @@
           <a:p>
             <a:fld id="{35ACAF27-3CFF-2745-A24D-529DF97C3F56}" type="datetimeFigureOut">
               <a:rPr lang="de-DE" smtClean="0"/>
-              <a:t>30.01.20</a:t>
+              <a:t>31.01.2020</a:t>
             </a:fld>
             <a:endParaRPr lang="de-DE"/>
           </a:p>
@@ -2522,7 +2751,7 @@
           <a:p>
             <a:fld id="{35ACAF27-3CFF-2745-A24D-529DF97C3F56}" type="datetimeFigureOut">
               <a:rPr lang="de-DE" smtClean="0"/>
-              <a:t>30.01.20</a:t>
+              <a:t>31.01.2020</a:t>
             </a:fld>
             <a:endParaRPr lang="de-DE"/>
           </a:p>
@@ -2833,7 +3062,7 @@
           <a:p>
             <a:fld id="{35ACAF27-3CFF-2745-A24D-529DF97C3F56}" type="datetimeFigureOut">
               <a:rPr lang="de-DE" smtClean="0"/>
-              <a:t>30.01.20</a:t>
+              <a:t>31.01.2020</a:t>
             </a:fld>
             <a:endParaRPr lang="de-DE"/>
           </a:p>
@@ -3121,7 +3350,7 @@
           <a:p>
             <a:fld id="{35ACAF27-3CFF-2745-A24D-529DF97C3F56}" type="datetimeFigureOut">
               <a:rPr lang="de-DE" smtClean="0"/>
-              <a:t>30.01.20</a:t>
+              <a:t>31.01.2020</a:t>
             </a:fld>
             <a:endParaRPr lang="de-DE"/>
           </a:p>
@@ -3362,7 +3591,7 @@
           <a:p>
             <a:fld id="{35ACAF27-3CFF-2745-A24D-529DF97C3F56}" type="datetimeFigureOut">
               <a:rPr lang="de-DE" smtClean="0"/>
-              <a:t>30.01.20</a:t>
+              <a:t>31.01.2020</a:t>
             </a:fld>
             <a:endParaRPr lang="de-DE"/>
           </a:p>
@@ -4749,7 +4978,7 @@
         </p:blipFill>
         <p:spPr>
           <a:xfrm>
-            <a:off x="124501" y="133828"/>
+            <a:off x="249690" y="79400"/>
             <a:ext cx="1669980" cy="3333797"/>
           </a:xfrm>
           <a:prstGeom prst="rect">
@@ -4771,7 +5000,7 @@
         </p:nvSpPr>
         <p:spPr>
           <a:xfrm>
-            <a:off x="1679918" y="152440"/>
+            <a:off x="1805107" y="152440"/>
             <a:ext cx="1872359" cy="336884"/>
           </a:xfrm>
           <a:prstGeom prst="rect">
@@ -4826,7 +5055,7 @@
         </p:blipFill>
         <p:spPr>
           <a:xfrm>
-            <a:off x="1880320" y="3439902"/>
+            <a:off x="2103484" y="3439903"/>
             <a:ext cx="1671957" cy="3331622"/>
           </a:xfrm>
           <a:prstGeom prst="rect">
@@ -4855,7 +5084,7 @@
         </p:blipFill>
         <p:spPr>
           <a:xfrm>
-            <a:off x="3866120" y="3431564"/>
+            <a:off x="4355980" y="3431564"/>
             <a:ext cx="1669980" cy="3339960"/>
           </a:xfrm>
           <a:prstGeom prst="rect">
@@ -4885,7 +5114,7 @@
         </p:blipFill>
         <p:spPr>
           <a:xfrm>
-            <a:off x="4083073" y="2363346"/>
+            <a:off x="4431416" y="2363346"/>
             <a:ext cx="2476500" cy="698500"/>
           </a:xfrm>
           <a:prstGeom prst="rect">
@@ -4915,7 +5144,7 @@
         </p:blipFill>
         <p:spPr>
           <a:xfrm>
-            <a:off x="5667542" y="273651"/>
+            <a:off x="6255376" y="273651"/>
             <a:ext cx="1429753" cy="1941640"/>
           </a:xfrm>
           <a:prstGeom prst="rect">
@@ -4944,7 +5173,7 @@
         </p:blipFill>
         <p:spPr>
           <a:xfrm>
-            <a:off x="7903223" y="67194"/>
+            <a:off x="8344095" y="67194"/>
             <a:ext cx="1642789" cy="3303899"/>
           </a:xfrm>
           <a:prstGeom prst="rect">
@@ -4973,7 +5202,7 @@
         </p:blipFill>
         <p:spPr>
           <a:xfrm>
-            <a:off x="9809261" y="3453056"/>
+            <a:off x="10250133" y="3453056"/>
             <a:ext cx="1702593" cy="3331693"/>
           </a:xfrm>
           <a:prstGeom prst="rect">
@@ -4995,7 +5224,7 @@
         </p:nvSpPr>
         <p:spPr>
           <a:xfrm>
-            <a:off x="1929848" y="3195619"/>
+            <a:off x="2098582" y="3195620"/>
             <a:ext cx="1708267" cy="336884"/>
           </a:xfrm>
           <a:prstGeom prst="rect">
@@ -5043,7 +5272,7 @@
         </p:nvSpPr>
         <p:spPr>
           <a:xfrm>
-            <a:off x="680146" y="6369487"/>
+            <a:off x="903310" y="6369488"/>
             <a:ext cx="1402775" cy="336884"/>
           </a:xfrm>
           <a:prstGeom prst="rect">
@@ -5087,7 +5316,7 @@
         </p:nvSpPr>
         <p:spPr>
           <a:xfrm>
-            <a:off x="5499098" y="6369487"/>
+            <a:off x="5988958" y="6369487"/>
             <a:ext cx="1770382" cy="336884"/>
           </a:xfrm>
           <a:prstGeom prst="rect">
@@ -5139,7 +5368,7 @@
         </p:nvSpPr>
         <p:spPr>
           <a:xfrm>
-            <a:off x="4070372" y="2080280"/>
+            <a:off x="4418715" y="2080280"/>
             <a:ext cx="1429753" cy="209039"/>
           </a:xfrm>
           <a:prstGeom prst="rect">
@@ -5191,7 +5420,7 @@
         </p:nvSpPr>
         <p:spPr>
           <a:xfrm>
-            <a:off x="4288777" y="273650"/>
+            <a:off x="4876611" y="273650"/>
             <a:ext cx="1378765" cy="823127"/>
           </a:xfrm>
           <a:prstGeom prst="rect">
@@ -5259,7 +5488,7 @@
         </p:nvSpPr>
         <p:spPr>
           <a:xfrm rot="20664818">
-            <a:off x="5475917" y="2921603"/>
+            <a:off x="5965777" y="2921603"/>
             <a:ext cx="1924331" cy="923330"/>
           </a:xfrm>
           <a:prstGeom prst="rect">
@@ -5322,7 +5551,7 @@
         </p:nvSpPr>
         <p:spPr>
           <a:xfrm>
-            <a:off x="9988204" y="1169204"/>
+            <a:off x="10429076" y="1169204"/>
             <a:ext cx="1344706" cy="1015663"/>
           </a:xfrm>
           <a:prstGeom prst="rect">
@@ -5411,7 +5640,7 @@
         </p:nvSpPr>
         <p:spPr>
           <a:xfrm>
-            <a:off x="7932680" y="3792224"/>
+            <a:off x="8373552" y="3792224"/>
             <a:ext cx="1720824" cy="1015663"/>
           </a:xfrm>
           <a:prstGeom prst="rect">
@@ -5533,7 +5762,7 @@
         </p:blipFill>
         <p:spPr>
           <a:xfrm>
-            <a:off x="8299964" y="5455087"/>
+            <a:off x="8740836" y="5455087"/>
             <a:ext cx="914400" cy="914400"/>
           </a:xfrm>
           <a:prstGeom prst="rect">
@@ -5569,7 +5798,7 @@
         </p:blipFill>
         <p:spPr>
           <a:xfrm>
-            <a:off x="2823059" y="2306069"/>
+            <a:off x="2931920" y="2306070"/>
             <a:ext cx="914400" cy="914400"/>
           </a:xfrm>
           <a:prstGeom prst="rect">
@@ -5605,7 +5834,7 @@
         </p:blipFill>
         <p:spPr>
           <a:xfrm rot="8671166">
-            <a:off x="1016268" y="3842856"/>
+            <a:off x="1239432" y="3842857"/>
             <a:ext cx="914400" cy="914400"/>
           </a:xfrm>
           <a:prstGeom prst="rect">
@@ -5641,7 +5870,7 @@
         </p:blipFill>
         <p:spPr>
           <a:xfrm rot="19910333">
-            <a:off x="6609458" y="3629281"/>
+            <a:off x="6832621" y="3629281"/>
             <a:ext cx="914400" cy="914400"/>
           </a:xfrm>
           <a:prstGeom prst="rect">
@@ -5663,7 +5892,7 @@
         </p:nvSpPr>
         <p:spPr>
           <a:xfrm>
-            <a:off x="6035477" y="4368453"/>
+            <a:off x="6383820" y="4368453"/>
             <a:ext cx="1459539" cy="336884"/>
           </a:xfrm>
           <a:prstGeom prst="rect">
@@ -5728,7 +5957,7 @@
         </p:blipFill>
         <p:spPr>
           <a:xfrm rot="13599674">
-            <a:off x="4961586" y="4875116"/>
+            <a:off x="5451446" y="4875116"/>
             <a:ext cx="652187" cy="652187"/>
           </a:xfrm>
           <a:prstGeom prst="rect">
